--- a/Presentation.pptx
+++ b/Presentation.pptx
@@ -7443,7 +7443,7 @@
         <p:spPr>
           <a:xfrm>
             <a:off x="4572000" y="2248894"/>
-            <a:ext cx="4410635" cy="3389906"/>
+            <a:ext cx="4410635" cy="4228106"/>
           </a:xfrm>
         </p:spPr>
         <p:txBody>
@@ -7536,6 +7536,51 @@
               <a:buNone/>
             </a:pPr>
             <a:endParaRPr lang="en-US" altLang="en-US" sz="1800" b="1" u="sng" dirty="0"/>
+          </a:p>
+          <a:p>
+            <a:pPr eaLnBrk="1" hangingPunct="1">
+              <a:lnSpc>
+                <a:spcPct val="80000"/>
+              </a:lnSpc>
+              <a:buFont typeface="Wingdings 2" pitchFamily="18" charset="2"/>
+              <a:buNone/>
+            </a:pPr>
+            <a:r>
+              <a:rPr lang="en-US" altLang="en-US" sz="1800" dirty="0"/>
+              <a:t>Below are the programs for start and stop EC2 clusters.</a:t>
+            </a:r>
+          </a:p>
+          <a:p>
+            <a:pPr eaLnBrk="1" hangingPunct="1">
+              <a:lnSpc>
+                <a:spcPct val="80000"/>
+              </a:lnSpc>
+              <a:buFont typeface="Wingdings 2" pitchFamily="18" charset="2"/>
+              <a:buNone/>
+            </a:pPr>
+            <a:endParaRPr lang="en-US" altLang="en-US" sz="1800" b="1" u="sng" dirty="0"/>
+          </a:p>
+          <a:p>
+            <a:pPr eaLnBrk="1" hangingPunct="1">
+              <a:lnSpc>
+                <a:spcPct val="80000"/>
+              </a:lnSpc>
+            </a:pPr>
+            <a:r>
+              <a:rPr lang="en-US" altLang="en-US" sz="1800" dirty="0"/>
+              <a:t>lambda_stop_ec2.py</a:t>
+            </a:r>
+          </a:p>
+          <a:p>
+            <a:pPr eaLnBrk="1" hangingPunct="1">
+              <a:lnSpc>
+                <a:spcPct val="80000"/>
+              </a:lnSpc>
+            </a:pPr>
+            <a:r>
+              <a:rPr lang="en-US" altLang="en-US" sz="1800" dirty="0"/>
+              <a:t>lambda_start_ec2.py</a:t>
+            </a:r>
           </a:p>
           <a:p>
             <a:pPr eaLnBrk="1" hangingPunct="1">
